--- a/images/design_PMTctrl.pptx
+++ b/images/design_PMTctrl.pptx
@@ -129,7 +129,7 @@
           <p:cNvPr id="2" name="Title 1">
             <a:extLst>
               <a:ext uri="{FF2B5EF4-FFF2-40B4-BE49-F238E27FC236}">
-                <a16:creationId xmlns:a16="http://schemas.microsoft.com/office/drawing/2014/main" id="{7F1DEE74-613D-6FCA-3279-9054DA3B2F28}"/>
+                <a16:creationId xmlns:a16="http://schemas.microsoft.com/office/drawing/2014/main" id="{6C29497C-D46F-4FC8-2A96-D76EF67E7D74}"/>
               </a:ext>
             </a:extLst>
           </p:cNvPr>
@@ -167,7 +167,7 @@
           <p:cNvPr id="3" name="Subtitle 2">
             <a:extLst>
               <a:ext uri="{FF2B5EF4-FFF2-40B4-BE49-F238E27FC236}">
-                <a16:creationId xmlns:a16="http://schemas.microsoft.com/office/drawing/2014/main" id="{D5A0AC03-9B64-FF6A-7586-A013EDC3E576}"/>
+                <a16:creationId xmlns:a16="http://schemas.microsoft.com/office/drawing/2014/main" id="{1A3196DE-14B7-D4A2-665E-9D1EC3B7DBFF}"/>
               </a:ext>
             </a:extLst>
           </p:cNvPr>
@@ -238,7 +238,7 @@
           <p:cNvPr id="4" name="Date Placeholder 3">
             <a:extLst>
               <a:ext uri="{FF2B5EF4-FFF2-40B4-BE49-F238E27FC236}">
-                <a16:creationId xmlns:a16="http://schemas.microsoft.com/office/drawing/2014/main" id="{0EAC7774-5C9F-786B-25DD-C79576A1C93D}"/>
+                <a16:creationId xmlns:a16="http://schemas.microsoft.com/office/drawing/2014/main" id="{CDA25319-BB7D-BA71-F422-8230CAED3C15}"/>
               </a:ext>
             </a:extLst>
           </p:cNvPr>
@@ -254,9 +254,9 @@
           <a:bodyPr/>
           <a:lstStyle/>
           <a:p>
-            <a:fld id="{9AFEF0EF-3661-40E5-8402-6F8DCE5762FD}" type="datetimeFigureOut">
+            <a:fld id="{501666BD-D0AE-4E69-A4D5-99A8101E3167}" type="datetimeFigureOut">
               <a:rPr lang="en-GB" smtClean="0"/>
-              <a:t>17/05/2023</a:t>
+              <a:t>27/05/2023</a:t>
             </a:fld>
             <a:endParaRPr lang="en-GB"/>
           </a:p>
@@ -267,7 +267,7 @@
           <p:cNvPr id="5" name="Footer Placeholder 4">
             <a:extLst>
               <a:ext uri="{FF2B5EF4-FFF2-40B4-BE49-F238E27FC236}">
-                <a16:creationId xmlns:a16="http://schemas.microsoft.com/office/drawing/2014/main" id="{3ACD78E2-AD67-5554-D1C1-5513C40EAC15}"/>
+                <a16:creationId xmlns:a16="http://schemas.microsoft.com/office/drawing/2014/main" id="{9F26B322-26D8-6AC1-3465-00B64F64C854}"/>
               </a:ext>
             </a:extLst>
           </p:cNvPr>
@@ -292,7 +292,7 @@
           <p:cNvPr id="6" name="Slide Number Placeholder 5">
             <a:extLst>
               <a:ext uri="{FF2B5EF4-FFF2-40B4-BE49-F238E27FC236}">
-                <a16:creationId xmlns:a16="http://schemas.microsoft.com/office/drawing/2014/main" id="{040AE26C-D732-0F13-3FC6-69EF83D6954A}"/>
+                <a16:creationId xmlns:a16="http://schemas.microsoft.com/office/drawing/2014/main" id="{F43F9D25-8BDF-0910-A8B4-4250623A1859}"/>
               </a:ext>
             </a:extLst>
           </p:cNvPr>
@@ -308,7 +308,7 @@
           <a:bodyPr/>
           <a:lstStyle/>
           <a:p>
-            <a:fld id="{3CC54281-4C30-45F5-AE71-0D545BF60615}" type="slidenum">
+            <a:fld id="{E41D1421-D028-4F1E-8543-313A87A40655}" type="slidenum">
               <a:rPr lang="en-GB" smtClean="0"/>
               <a:t>‹#›</a:t>
             </a:fld>
@@ -319,7 +319,7 @@
     </p:spTree>
     <p:extLst>
       <p:ext uri="{BB962C8B-B14F-4D97-AF65-F5344CB8AC3E}">
-        <p14:creationId xmlns:p14="http://schemas.microsoft.com/office/powerpoint/2010/main" val="156033282"/>
+        <p14:creationId xmlns:p14="http://schemas.microsoft.com/office/powerpoint/2010/main" val="3402468388"/>
       </p:ext>
     </p:extLst>
   </p:cSld>
@@ -351,7 +351,7 @@
           <p:cNvPr id="2" name="Title 1">
             <a:extLst>
               <a:ext uri="{FF2B5EF4-FFF2-40B4-BE49-F238E27FC236}">
-                <a16:creationId xmlns:a16="http://schemas.microsoft.com/office/drawing/2014/main" id="{0BE6B8C2-FFEA-00F1-61A0-7BC4D3077A86}"/>
+                <a16:creationId xmlns:a16="http://schemas.microsoft.com/office/drawing/2014/main" id="{66A756B9-7950-7D78-3E6D-7EC1150B0145}"/>
               </a:ext>
             </a:extLst>
           </p:cNvPr>
@@ -380,7 +380,7 @@
           <p:cNvPr id="3" name="Vertical Text Placeholder 2">
             <a:extLst>
               <a:ext uri="{FF2B5EF4-FFF2-40B4-BE49-F238E27FC236}">
-                <a16:creationId xmlns:a16="http://schemas.microsoft.com/office/drawing/2014/main" id="{A53C8416-C9FB-8FA0-C75E-80FBF74A8117}"/>
+                <a16:creationId xmlns:a16="http://schemas.microsoft.com/office/drawing/2014/main" id="{3F6C52C1-A006-6BD2-DC02-C3C887824267}"/>
               </a:ext>
             </a:extLst>
           </p:cNvPr>
@@ -438,7 +438,7 @@
           <p:cNvPr id="4" name="Date Placeholder 3">
             <a:extLst>
               <a:ext uri="{FF2B5EF4-FFF2-40B4-BE49-F238E27FC236}">
-                <a16:creationId xmlns:a16="http://schemas.microsoft.com/office/drawing/2014/main" id="{114F67E8-8D2D-D506-1218-0E5089DAACE4}"/>
+                <a16:creationId xmlns:a16="http://schemas.microsoft.com/office/drawing/2014/main" id="{214F8DA6-C5AA-8C91-FD05-F46EF41C51C6}"/>
               </a:ext>
             </a:extLst>
           </p:cNvPr>
@@ -454,9 +454,9 @@
           <a:bodyPr/>
           <a:lstStyle/>
           <a:p>
-            <a:fld id="{9AFEF0EF-3661-40E5-8402-6F8DCE5762FD}" type="datetimeFigureOut">
+            <a:fld id="{501666BD-D0AE-4E69-A4D5-99A8101E3167}" type="datetimeFigureOut">
               <a:rPr lang="en-GB" smtClean="0"/>
-              <a:t>17/05/2023</a:t>
+              <a:t>27/05/2023</a:t>
             </a:fld>
             <a:endParaRPr lang="en-GB"/>
           </a:p>
@@ -467,7 +467,7 @@
           <p:cNvPr id="5" name="Footer Placeholder 4">
             <a:extLst>
               <a:ext uri="{FF2B5EF4-FFF2-40B4-BE49-F238E27FC236}">
-                <a16:creationId xmlns:a16="http://schemas.microsoft.com/office/drawing/2014/main" id="{A1701F92-BB78-BF53-670D-5CDD0D6565FF}"/>
+                <a16:creationId xmlns:a16="http://schemas.microsoft.com/office/drawing/2014/main" id="{726747E3-BAC4-F76E-84DA-C605E54FE84B}"/>
               </a:ext>
             </a:extLst>
           </p:cNvPr>
@@ -492,7 +492,7 @@
           <p:cNvPr id="6" name="Slide Number Placeholder 5">
             <a:extLst>
               <a:ext uri="{FF2B5EF4-FFF2-40B4-BE49-F238E27FC236}">
-                <a16:creationId xmlns:a16="http://schemas.microsoft.com/office/drawing/2014/main" id="{A773A6D0-ED50-D514-4040-88A810A28CD1}"/>
+                <a16:creationId xmlns:a16="http://schemas.microsoft.com/office/drawing/2014/main" id="{10B07D38-CA38-EE16-8B4B-363A2436FAD0}"/>
               </a:ext>
             </a:extLst>
           </p:cNvPr>
@@ -508,7 +508,7 @@
           <a:bodyPr/>
           <a:lstStyle/>
           <a:p>
-            <a:fld id="{3CC54281-4C30-45F5-AE71-0D545BF60615}" type="slidenum">
+            <a:fld id="{E41D1421-D028-4F1E-8543-313A87A40655}" type="slidenum">
               <a:rPr lang="en-GB" smtClean="0"/>
               <a:t>‹#›</a:t>
             </a:fld>
@@ -519,7 +519,7 @@
     </p:spTree>
     <p:extLst>
       <p:ext uri="{BB962C8B-B14F-4D97-AF65-F5344CB8AC3E}">
-        <p14:creationId xmlns:p14="http://schemas.microsoft.com/office/powerpoint/2010/main" val="3909154338"/>
+        <p14:creationId xmlns:p14="http://schemas.microsoft.com/office/powerpoint/2010/main" val="587753923"/>
       </p:ext>
     </p:extLst>
   </p:cSld>
@@ -551,7 +551,7 @@
           <p:cNvPr id="2" name="Vertical Title 1">
             <a:extLst>
               <a:ext uri="{FF2B5EF4-FFF2-40B4-BE49-F238E27FC236}">
-                <a16:creationId xmlns:a16="http://schemas.microsoft.com/office/drawing/2014/main" id="{26F4897C-9945-E35A-4A7C-018340DCFAB8}"/>
+                <a16:creationId xmlns:a16="http://schemas.microsoft.com/office/drawing/2014/main" id="{333C959E-94A6-2360-8C41-FCD9A7518324}"/>
               </a:ext>
             </a:extLst>
           </p:cNvPr>
@@ -585,7 +585,7 @@
           <p:cNvPr id="3" name="Vertical Text Placeholder 2">
             <a:extLst>
               <a:ext uri="{FF2B5EF4-FFF2-40B4-BE49-F238E27FC236}">
-                <a16:creationId xmlns:a16="http://schemas.microsoft.com/office/drawing/2014/main" id="{E65661B8-8331-FFAE-ACB6-B70E7DA75CF7}"/>
+                <a16:creationId xmlns:a16="http://schemas.microsoft.com/office/drawing/2014/main" id="{6A1EA966-3F08-90DC-F0D0-A7E8CC305187}"/>
               </a:ext>
             </a:extLst>
           </p:cNvPr>
@@ -648,7 +648,7 @@
           <p:cNvPr id="4" name="Date Placeholder 3">
             <a:extLst>
               <a:ext uri="{FF2B5EF4-FFF2-40B4-BE49-F238E27FC236}">
-                <a16:creationId xmlns:a16="http://schemas.microsoft.com/office/drawing/2014/main" id="{681658BE-175B-D55A-A14B-63CAA7AFE7BD}"/>
+                <a16:creationId xmlns:a16="http://schemas.microsoft.com/office/drawing/2014/main" id="{9CA9573D-534E-A2DE-A332-8AAC4B562763}"/>
               </a:ext>
             </a:extLst>
           </p:cNvPr>
@@ -664,9 +664,9 @@
           <a:bodyPr/>
           <a:lstStyle/>
           <a:p>
-            <a:fld id="{9AFEF0EF-3661-40E5-8402-6F8DCE5762FD}" type="datetimeFigureOut">
+            <a:fld id="{501666BD-D0AE-4E69-A4D5-99A8101E3167}" type="datetimeFigureOut">
               <a:rPr lang="en-GB" smtClean="0"/>
-              <a:t>17/05/2023</a:t>
+              <a:t>27/05/2023</a:t>
             </a:fld>
             <a:endParaRPr lang="en-GB"/>
           </a:p>
@@ -677,7 +677,7 @@
           <p:cNvPr id="5" name="Footer Placeholder 4">
             <a:extLst>
               <a:ext uri="{FF2B5EF4-FFF2-40B4-BE49-F238E27FC236}">
-                <a16:creationId xmlns:a16="http://schemas.microsoft.com/office/drawing/2014/main" id="{6E256596-F0E2-BDE7-7BF9-B24FFFB8F8AC}"/>
+                <a16:creationId xmlns:a16="http://schemas.microsoft.com/office/drawing/2014/main" id="{BE74B8FB-B429-29BE-1215-9AB931566238}"/>
               </a:ext>
             </a:extLst>
           </p:cNvPr>
@@ -702,7 +702,7 @@
           <p:cNvPr id="6" name="Slide Number Placeholder 5">
             <a:extLst>
               <a:ext uri="{FF2B5EF4-FFF2-40B4-BE49-F238E27FC236}">
-                <a16:creationId xmlns:a16="http://schemas.microsoft.com/office/drawing/2014/main" id="{81C7D572-38F1-CA0C-8DD4-FFA2D4CB185E}"/>
+                <a16:creationId xmlns:a16="http://schemas.microsoft.com/office/drawing/2014/main" id="{67A110C9-427B-361A-3C1F-B7354DDFAC3C}"/>
               </a:ext>
             </a:extLst>
           </p:cNvPr>
@@ -718,7 +718,7 @@
           <a:bodyPr/>
           <a:lstStyle/>
           <a:p>
-            <a:fld id="{3CC54281-4C30-45F5-AE71-0D545BF60615}" type="slidenum">
+            <a:fld id="{E41D1421-D028-4F1E-8543-313A87A40655}" type="slidenum">
               <a:rPr lang="en-GB" smtClean="0"/>
               <a:t>‹#›</a:t>
             </a:fld>
@@ -729,7 +729,7 @@
     </p:spTree>
     <p:extLst>
       <p:ext uri="{BB962C8B-B14F-4D97-AF65-F5344CB8AC3E}">
-        <p14:creationId xmlns:p14="http://schemas.microsoft.com/office/powerpoint/2010/main" val="4045033986"/>
+        <p14:creationId xmlns:p14="http://schemas.microsoft.com/office/powerpoint/2010/main" val="468250405"/>
       </p:ext>
     </p:extLst>
   </p:cSld>
@@ -761,7 +761,7 @@
           <p:cNvPr id="2" name="Title 1">
             <a:extLst>
               <a:ext uri="{FF2B5EF4-FFF2-40B4-BE49-F238E27FC236}">
-                <a16:creationId xmlns:a16="http://schemas.microsoft.com/office/drawing/2014/main" id="{FF56A1C4-8529-77A6-DB9F-BC4317DE22A8}"/>
+                <a16:creationId xmlns:a16="http://schemas.microsoft.com/office/drawing/2014/main" id="{3FAA37F4-B939-0643-777B-9D10BC11E819}"/>
               </a:ext>
             </a:extLst>
           </p:cNvPr>
@@ -790,7 +790,7 @@
           <p:cNvPr id="3" name="Content Placeholder 2">
             <a:extLst>
               <a:ext uri="{FF2B5EF4-FFF2-40B4-BE49-F238E27FC236}">
-                <a16:creationId xmlns:a16="http://schemas.microsoft.com/office/drawing/2014/main" id="{5A547178-0BF1-3E90-F0F1-2C50A3593DDA}"/>
+                <a16:creationId xmlns:a16="http://schemas.microsoft.com/office/drawing/2014/main" id="{D11F7D1E-7AEB-4C58-B677-B7346DCCCDAB}"/>
               </a:ext>
             </a:extLst>
           </p:cNvPr>
@@ -848,7 +848,7 @@
           <p:cNvPr id="4" name="Date Placeholder 3">
             <a:extLst>
               <a:ext uri="{FF2B5EF4-FFF2-40B4-BE49-F238E27FC236}">
-                <a16:creationId xmlns:a16="http://schemas.microsoft.com/office/drawing/2014/main" id="{AEE077B7-00BA-981D-B1BF-E358990D7F2B}"/>
+                <a16:creationId xmlns:a16="http://schemas.microsoft.com/office/drawing/2014/main" id="{8ACC3137-0E31-00D6-BAD5-4E57608297CD}"/>
               </a:ext>
             </a:extLst>
           </p:cNvPr>
@@ -864,9 +864,9 @@
           <a:bodyPr/>
           <a:lstStyle/>
           <a:p>
-            <a:fld id="{9AFEF0EF-3661-40E5-8402-6F8DCE5762FD}" type="datetimeFigureOut">
+            <a:fld id="{501666BD-D0AE-4E69-A4D5-99A8101E3167}" type="datetimeFigureOut">
               <a:rPr lang="en-GB" smtClean="0"/>
-              <a:t>17/05/2023</a:t>
+              <a:t>27/05/2023</a:t>
             </a:fld>
             <a:endParaRPr lang="en-GB"/>
           </a:p>
@@ -877,7 +877,7 @@
           <p:cNvPr id="5" name="Footer Placeholder 4">
             <a:extLst>
               <a:ext uri="{FF2B5EF4-FFF2-40B4-BE49-F238E27FC236}">
-                <a16:creationId xmlns:a16="http://schemas.microsoft.com/office/drawing/2014/main" id="{80E76734-6A1E-548A-8A94-C554CA4FED32}"/>
+                <a16:creationId xmlns:a16="http://schemas.microsoft.com/office/drawing/2014/main" id="{F5FB3C7C-E784-C31C-5FAF-A7DFB33D23A4}"/>
               </a:ext>
             </a:extLst>
           </p:cNvPr>
@@ -902,7 +902,7 @@
           <p:cNvPr id="6" name="Slide Number Placeholder 5">
             <a:extLst>
               <a:ext uri="{FF2B5EF4-FFF2-40B4-BE49-F238E27FC236}">
-                <a16:creationId xmlns:a16="http://schemas.microsoft.com/office/drawing/2014/main" id="{026A28C2-3A03-A5AB-0CB5-6A7A3F116DBA}"/>
+                <a16:creationId xmlns:a16="http://schemas.microsoft.com/office/drawing/2014/main" id="{987BBE0A-7772-1B5A-268E-F3EC70D4CF35}"/>
               </a:ext>
             </a:extLst>
           </p:cNvPr>
@@ -918,7 +918,7 @@
           <a:bodyPr/>
           <a:lstStyle/>
           <a:p>
-            <a:fld id="{3CC54281-4C30-45F5-AE71-0D545BF60615}" type="slidenum">
+            <a:fld id="{E41D1421-D028-4F1E-8543-313A87A40655}" type="slidenum">
               <a:rPr lang="en-GB" smtClean="0"/>
               <a:t>‹#›</a:t>
             </a:fld>
@@ -929,7 +929,7 @@
     </p:spTree>
     <p:extLst>
       <p:ext uri="{BB962C8B-B14F-4D97-AF65-F5344CB8AC3E}">
-        <p14:creationId xmlns:p14="http://schemas.microsoft.com/office/powerpoint/2010/main" val="2563274638"/>
+        <p14:creationId xmlns:p14="http://schemas.microsoft.com/office/powerpoint/2010/main" val="448470117"/>
       </p:ext>
     </p:extLst>
   </p:cSld>
@@ -961,7 +961,7 @@
           <p:cNvPr id="2" name="Title 1">
             <a:extLst>
               <a:ext uri="{FF2B5EF4-FFF2-40B4-BE49-F238E27FC236}">
-                <a16:creationId xmlns:a16="http://schemas.microsoft.com/office/drawing/2014/main" id="{36A0E6AE-5BED-C7F4-CBA6-54B0A4F66DDA}"/>
+                <a16:creationId xmlns:a16="http://schemas.microsoft.com/office/drawing/2014/main" id="{9977FED4-EC2F-C3F0-06B6-64618D42EAA2}"/>
               </a:ext>
             </a:extLst>
           </p:cNvPr>
@@ -999,7 +999,7 @@
           <p:cNvPr id="3" name="Text Placeholder 2">
             <a:extLst>
               <a:ext uri="{FF2B5EF4-FFF2-40B4-BE49-F238E27FC236}">
-                <a16:creationId xmlns:a16="http://schemas.microsoft.com/office/drawing/2014/main" id="{8440AA22-E9A7-66AA-BE26-41844545CE10}"/>
+                <a16:creationId xmlns:a16="http://schemas.microsoft.com/office/drawing/2014/main" id="{D205B278-0506-8153-32E4-8D7FF7BC32E6}"/>
               </a:ext>
             </a:extLst>
           </p:cNvPr>
@@ -1124,7 +1124,7 @@
           <p:cNvPr id="4" name="Date Placeholder 3">
             <a:extLst>
               <a:ext uri="{FF2B5EF4-FFF2-40B4-BE49-F238E27FC236}">
-                <a16:creationId xmlns:a16="http://schemas.microsoft.com/office/drawing/2014/main" id="{62565A9D-FB16-A161-EDB3-3DFC2674862B}"/>
+                <a16:creationId xmlns:a16="http://schemas.microsoft.com/office/drawing/2014/main" id="{5D9364DC-259A-E9F1-E583-3C4832C5A7D3}"/>
               </a:ext>
             </a:extLst>
           </p:cNvPr>
@@ -1140,9 +1140,9 @@
           <a:bodyPr/>
           <a:lstStyle/>
           <a:p>
-            <a:fld id="{9AFEF0EF-3661-40E5-8402-6F8DCE5762FD}" type="datetimeFigureOut">
+            <a:fld id="{501666BD-D0AE-4E69-A4D5-99A8101E3167}" type="datetimeFigureOut">
               <a:rPr lang="en-GB" smtClean="0"/>
-              <a:t>17/05/2023</a:t>
+              <a:t>27/05/2023</a:t>
             </a:fld>
             <a:endParaRPr lang="en-GB"/>
           </a:p>
@@ -1153,7 +1153,7 @@
           <p:cNvPr id="5" name="Footer Placeholder 4">
             <a:extLst>
               <a:ext uri="{FF2B5EF4-FFF2-40B4-BE49-F238E27FC236}">
-                <a16:creationId xmlns:a16="http://schemas.microsoft.com/office/drawing/2014/main" id="{0608B25E-DC39-18B6-A3E1-8736A16EE55D}"/>
+                <a16:creationId xmlns:a16="http://schemas.microsoft.com/office/drawing/2014/main" id="{7A57DE93-F9CA-7A8D-EE67-FB8F0BB4E2E7}"/>
               </a:ext>
             </a:extLst>
           </p:cNvPr>
@@ -1178,7 +1178,7 @@
           <p:cNvPr id="6" name="Slide Number Placeholder 5">
             <a:extLst>
               <a:ext uri="{FF2B5EF4-FFF2-40B4-BE49-F238E27FC236}">
-                <a16:creationId xmlns:a16="http://schemas.microsoft.com/office/drawing/2014/main" id="{1940987F-D59A-AB59-907C-A69904ECB9F2}"/>
+                <a16:creationId xmlns:a16="http://schemas.microsoft.com/office/drawing/2014/main" id="{3318EB61-26DE-9F54-20EF-7C3CA9E19107}"/>
               </a:ext>
             </a:extLst>
           </p:cNvPr>
@@ -1194,7 +1194,7 @@
           <a:bodyPr/>
           <a:lstStyle/>
           <a:p>
-            <a:fld id="{3CC54281-4C30-45F5-AE71-0D545BF60615}" type="slidenum">
+            <a:fld id="{E41D1421-D028-4F1E-8543-313A87A40655}" type="slidenum">
               <a:rPr lang="en-GB" smtClean="0"/>
               <a:t>‹#›</a:t>
             </a:fld>
@@ -1205,7 +1205,7 @@
     </p:spTree>
     <p:extLst>
       <p:ext uri="{BB962C8B-B14F-4D97-AF65-F5344CB8AC3E}">
-        <p14:creationId xmlns:p14="http://schemas.microsoft.com/office/powerpoint/2010/main" val="1217215063"/>
+        <p14:creationId xmlns:p14="http://schemas.microsoft.com/office/powerpoint/2010/main" val="598916536"/>
       </p:ext>
     </p:extLst>
   </p:cSld>
@@ -1237,7 +1237,7 @@
           <p:cNvPr id="2" name="Title 1">
             <a:extLst>
               <a:ext uri="{FF2B5EF4-FFF2-40B4-BE49-F238E27FC236}">
-                <a16:creationId xmlns:a16="http://schemas.microsoft.com/office/drawing/2014/main" id="{9F562D09-B7F3-BDAC-50C8-2740F1E74917}"/>
+                <a16:creationId xmlns:a16="http://schemas.microsoft.com/office/drawing/2014/main" id="{DE308B97-D7C5-53D2-9FD9-096C9541448E}"/>
               </a:ext>
             </a:extLst>
           </p:cNvPr>
@@ -1266,7 +1266,7 @@
           <p:cNvPr id="3" name="Content Placeholder 2">
             <a:extLst>
               <a:ext uri="{FF2B5EF4-FFF2-40B4-BE49-F238E27FC236}">
-                <a16:creationId xmlns:a16="http://schemas.microsoft.com/office/drawing/2014/main" id="{5E0D4936-6E65-E1D3-1989-B4CFE7742A28}"/>
+                <a16:creationId xmlns:a16="http://schemas.microsoft.com/office/drawing/2014/main" id="{A691898F-8A1D-0B7B-FEB1-7572A5315CE9}"/>
               </a:ext>
             </a:extLst>
           </p:cNvPr>
@@ -1329,7 +1329,7 @@
           <p:cNvPr id="4" name="Content Placeholder 3">
             <a:extLst>
               <a:ext uri="{FF2B5EF4-FFF2-40B4-BE49-F238E27FC236}">
-                <a16:creationId xmlns:a16="http://schemas.microsoft.com/office/drawing/2014/main" id="{16B3C905-A8B8-6040-CFC5-0F489C685CCE}"/>
+                <a16:creationId xmlns:a16="http://schemas.microsoft.com/office/drawing/2014/main" id="{85335C0D-4ADA-3D3E-D794-E24BBE982438}"/>
               </a:ext>
             </a:extLst>
           </p:cNvPr>
@@ -1392,7 +1392,7 @@
           <p:cNvPr id="5" name="Date Placeholder 4">
             <a:extLst>
               <a:ext uri="{FF2B5EF4-FFF2-40B4-BE49-F238E27FC236}">
-                <a16:creationId xmlns:a16="http://schemas.microsoft.com/office/drawing/2014/main" id="{72081BE3-8108-0DCF-1A04-BFFDE1F65ADA}"/>
+                <a16:creationId xmlns:a16="http://schemas.microsoft.com/office/drawing/2014/main" id="{19E6B528-F651-BC51-7B99-BB8B452E1C39}"/>
               </a:ext>
             </a:extLst>
           </p:cNvPr>
@@ -1408,9 +1408,9 @@
           <a:bodyPr/>
           <a:lstStyle/>
           <a:p>
-            <a:fld id="{9AFEF0EF-3661-40E5-8402-6F8DCE5762FD}" type="datetimeFigureOut">
+            <a:fld id="{501666BD-D0AE-4E69-A4D5-99A8101E3167}" type="datetimeFigureOut">
               <a:rPr lang="en-GB" smtClean="0"/>
-              <a:t>17/05/2023</a:t>
+              <a:t>27/05/2023</a:t>
             </a:fld>
             <a:endParaRPr lang="en-GB"/>
           </a:p>
@@ -1421,7 +1421,7 @@
           <p:cNvPr id="6" name="Footer Placeholder 5">
             <a:extLst>
               <a:ext uri="{FF2B5EF4-FFF2-40B4-BE49-F238E27FC236}">
-                <a16:creationId xmlns:a16="http://schemas.microsoft.com/office/drawing/2014/main" id="{F80268FA-068D-6108-1D98-EC5A70906EAF}"/>
+                <a16:creationId xmlns:a16="http://schemas.microsoft.com/office/drawing/2014/main" id="{46A568E4-5719-E365-1872-A9B2FC731F68}"/>
               </a:ext>
             </a:extLst>
           </p:cNvPr>
@@ -1446,7 +1446,7 @@
           <p:cNvPr id="7" name="Slide Number Placeholder 6">
             <a:extLst>
               <a:ext uri="{FF2B5EF4-FFF2-40B4-BE49-F238E27FC236}">
-                <a16:creationId xmlns:a16="http://schemas.microsoft.com/office/drawing/2014/main" id="{D6ED0ADA-9102-C0EC-3FB3-AA5E7E95A8B9}"/>
+                <a16:creationId xmlns:a16="http://schemas.microsoft.com/office/drawing/2014/main" id="{67E3197D-DDAB-C793-730C-A592E7E71293}"/>
               </a:ext>
             </a:extLst>
           </p:cNvPr>
@@ -1462,7 +1462,7 @@
           <a:bodyPr/>
           <a:lstStyle/>
           <a:p>
-            <a:fld id="{3CC54281-4C30-45F5-AE71-0D545BF60615}" type="slidenum">
+            <a:fld id="{E41D1421-D028-4F1E-8543-313A87A40655}" type="slidenum">
               <a:rPr lang="en-GB" smtClean="0"/>
               <a:t>‹#›</a:t>
             </a:fld>
@@ -1473,7 +1473,7 @@
     </p:spTree>
     <p:extLst>
       <p:ext uri="{BB962C8B-B14F-4D97-AF65-F5344CB8AC3E}">
-        <p14:creationId xmlns:p14="http://schemas.microsoft.com/office/powerpoint/2010/main" val="1270243737"/>
+        <p14:creationId xmlns:p14="http://schemas.microsoft.com/office/powerpoint/2010/main" val="327189798"/>
       </p:ext>
     </p:extLst>
   </p:cSld>
@@ -1505,7 +1505,7 @@
           <p:cNvPr id="2" name="Title 1">
             <a:extLst>
               <a:ext uri="{FF2B5EF4-FFF2-40B4-BE49-F238E27FC236}">
-                <a16:creationId xmlns:a16="http://schemas.microsoft.com/office/drawing/2014/main" id="{6613EC40-7CDB-B004-F73D-52C9CFCC613A}"/>
+                <a16:creationId xmlns:a16="http://schemas.microsoft.com/office/drawing/2014/main" id="{0D46F973-7BB0-3618-2433-9E943A55DE85}"/>
               </a:ext>
             </a:extLst>
           </p:cNvPr>
@@ -1539,7 +1539,7 @@
           <p:cNvPr id="3" name="Text Placeholder 2">
             <a:extLst>
               <a:ext uri="{FF2B5EF4-FFF2-40B4-BE49-F238E27FC236}">
-                <a16:creationId xmlns:a16="http://schemas.microsoft.com/office/drawing/2014/main" id="{31C8012B-D2D6-B25D-A4B2-150679535BB9}"/>
+                <a16:creationId xmlns:a16="http://schemas.microsoft.com/office/drawing/2014/main" id="{2134BFA7-BF60-8394-7C49-6FD0F1E13424}"/>
               </a:ext>
             </a:extLst>
           </p:cNvPr>
@@ -1610,7 +1610,7 @@
           <p:cNvPr id="4" name="Content Placeholder 3">
             <a:extLst>
               <a:ext uri="{FF2B5EF4-FFF2-40B4-BE49-F238E27FC236}">
-                <a16:creationId xmlns:a16="http://schemas.microsoft.com/office/drawing/2014/main" id="{EECC1E97-486A-8381-1C12-592000999645}"/>
+                <a16:creationId xmlns:a16="http://schemas.microsoft.com/office/drawing/2014/main" id="{314FA6D9-BB28-6D73-1B98-AA24F97BFF44}"/>
               </a:ext>
             </a:extLst>
           </p:cNvPr>
@@ -1673,7 +1673,7 @@
           <p:cNvPr id="5" name="Text Placeholder 4">
             <a:extLst>
               <a:ext uri="{FF2B5EF4-FFF2-40B4-BE49-F238E27FC236}">
-                <a16:creationId xmlns:a16="http://schemas.microsoft.com/office/drawing/2014/main" id="{881BFAC6-DF87-85ED-29E6-BA3A2D793417}"/>
+                <a16:creationId xmlns:a16="http://schemas.microsoft.com/office/drawing/2014/main" id="{36E1A9BC-F5B2-3630-2179-AEC6F40883D3}"/>
               </a:ext>
             </a:extLst>
           </p:cNvPr>
@@ -1744,7 +1744,7 @@
           <p:cNvPr id="6" name="Content Placeholder 5">
             <a:extLst>
               <a:ext uri="{FF2B5EF4-FFF2-40B4-BE49-F238E27FC236}">
-                <a16:creationId xmlns:a16="http://schemas.microsoft.com/office/drawing/2014/main" id="{7C2942E9-3731-EC88-DE70-89FDB0376012}"/>
+                <a16:creationId xmlns:a16="http://schemas.microsoft.com/office/drawing/2014/main" id="{74E480E3-0232-7EDF-469C-B51D4337BDA8}"/>
               </a:ext>
             </a:extLst>
           </p:cNvPr>
@@ -1807,7 +1807,7 @@
           <p:cNvPr id="7" name="Date Placeholder 6">
             <a:extLst>
               <a:ext uri="{FF2B5EF4-FFF2-40B4-BE49-F238E27FC236}">
-                <a16:creationId xmlns:a16="http://schemas.microsoft.com/office/drawing/2014/main" id="{FF69D631-6B23-FA90-2440-40063A903811}"/>
+                <a16:creationId xmlns:a16="http://schemas.microsoft.com/office/drawing/2014/main" id="{A3BD8C96-040E-0E75-9DBB-BD99F4EBB615}"/>
               </a:ext>
             </a:extLst>
           </p:cNvPr>
@@ -1823,9 +1823,9 @@
           <a:bodyPr/>
           <a:lstStyle/>
           <a:p>
-            <a:fld id="{9AFEF0EF-3661-40E5-8402-6F8DCE5762FD}" type="datetimeFigureOut">
+            <a:fld id="{501666BD-D0AE-4E69-A4D5-99A8101E3167}" type="datetimeFigureOut">
               <a:rPr lang="en-GB" smtClean="0"/>
-              <a:t>17/05/2023</a:t>
+              <a:t>27/05/2023</a:t>
             </a:fld>
             <a:endParaRPr lang="en-GB"/>
           </a:p>
@@ -1836,7 +1836,7 @@
           <p:cNvPr id="8" name="Footer Placeholder 7">
             <a:extLst>
               <a:ext uri="{FF2B5EF4-FFF2-40B4-BE49-F238E27FC236}">
-                <a16:creationId xmlns:a16="http://schemas.microsoft.com/office/drawing/2014/main" id="{519F13D9-1509-9E49-23A0-8D52A96FABC0}"/>
+                <a16:creationId xmlns:a16="http://schemas.microsoft.com/office/drawing/2014/main" id="{3DD52B4C-28B5-60E0-9DD2-EE2743D055A4}"/>
               </a:ext>
             </a:extLst>
           </p:cNvPr>
@@ -1861,7 +1861,7 @@
           <p:cNvPr id="9" name="Slide Number Placeholder 8">
             <a:extLst>
               <a:ext uri="{FF2B5EF4-FFF2-40B4-BE49-F238E27FC236}">
-                <a16:creationId xmlns:a16="http://schemas.microsoft.com/office/drawing/2014/main" id="{11BECFE9-0FF8-0F7C-FF9B-8F9B580DBD75}"/>
+                <a16:creationId xmlns:a16="http://schemas.microsoft.com/office/drawing/2014/main" id="{C445B6DB-F00D-AC64-581B-F14653483C5C}"/>
               </a:ext>
             </a:extLst>
           </p:cNvPr>
@@ -1877,7 +1877,7 @@
           <a:bodyPr/>
           <a:lstStyle/>
           <a:p>
-            <a:fld id="{3CC54281-4C30-45F5-AE71-0D545BF60615}" type="slidenum">
+            <a:fld id="{E41D1421-D028-4F1E-8543-313A87A40655}" type="slidenum">
               <a:rPr lang="en-GB" smtClean="0"/>
               <a:t>‹#›</a:t>
             </a:fld>
@@ -1888,7 +1888,7 @@
     </p:spTree>
     <p:extLst>
       <p:ext uri="{BB962C8B-B14F-4D97-AF65-F5344CB8AC3E}">
-        <p14:creationId xmlns:p14="http://schemas.microsoft.com/office/powerpoint/2010/main" val="981941686"/>
+        <p14:creationId xmlns:p14="http://schemas.microsoft.com/office/powerpoint/2010/main" val="1026977181"/>
       </p:ext>
     </p:extLst>
   </p:cSld>
@@ -1920,7 +1920,7 @@
           <p:cNvPr id="2" name="Title 1">
             <a:extLst>
               <a:ext uri="{FF2B5EF4-FFF2-40B4-BE49-F238E27FC236}">
-                <a16:creationId xmlns:a16="http://schemas.microsoft.com/office/drawing/2014/main" id="{E432253F-E04D-F1CD-AD0C-98F79609C507}"/>
+                <a16:creationId xmlns:a16="http://schemas.microsoft.com/office/drawing/2014/main" id="{27CA1B85-EA09-601E-CA06-B86EA37179E5}"/>
               </a:ext>
             </a:extLst>
           </p:cNvPr>
@@ -1949,7 +1949,7 @@
           <p:cNvPr id="3" name="Date Placeholder 2">
             <a:extLst>
               <a:ext uri="{FF2B5EF4-FFF2-40B4-BE49-F238E27FC236}">
-                <a16:creationId xmlns:a16="http://schemas.microsoft.com/office/drawing/2014/main" id="{047FBA64-D3D0-7332-4B55-5D69F2B251FC}"/>
+                <a16:creationId xmlns:a16="http://schemas.microsoft.com/office/drawing/2014/main" id="{1E58C858-87D7-0FE4-5DB1-9D38D0D30862}"/>
               </a:ext>
             </a:extLst>
           </p:cNvPr>
@@ -1965,9 +1965,9 @@
           <a:bodyPr/>
           <a:lstStyle/>
           <a:p>
-            <a:fld id="{9AFEF0EF-3661-40E5-8402-6F8DCE5762FD}" type="datetimeFigureOut">
+            <a:fld id="{501666BD-D0AE-4E69-A4D5-99A8101E3167}" type="datetimeFigureOut">
               <a:rPr lang="en-GB" smtClean="0"/>
-              <a:t>17/05/2023</a:t>
+              <a:t>27/05/2023</a:t>
             </a:fld>
             <a:endParaRPr lang="en-GB"/>
           </a:p>
@@ -1978,7 +1978,7 @@
           <p:cNvPr id="4" name="Footer Placeholder 3">
             <a:extLst>
               <a:ext uri="{FF2B5EF4-FFF2-40B4-BE49-F238E27FC236}">
-                <a16:creationId xmlns:a16="http://schemas.microsoft.com/office/drawing/2014/main" id="{6CE97C97-4639-D6BD-DA1B-16A403748088}"/>
+                <a16:creationId xmlns:a16="http://schemas.microsoft.com/office/drawing/2014/main" id="{A118C36B-3236-D581-65F0-D1544BDB150C}"/>
               </a:ext>
             </a:extLst>
           </p:cNvPr>
@@ -2003,7 +2003,7 @@
           <p:cNvPr id="5" name="Slide Number Placeholder 4">
             <a:extLst>
               <a:ext uri="{FF2B5EF4-FFF2-40B4-BE49-F238E27FC236}">
-                <a16:creationId xmlns:a16="http://schemas.microsoft.com/office/drawing/2014/main" id="{26E792A4-DC58-427B-5DF7-275213D1E6A3}"/>
+                <a16:creationId xmlns:a16="http://schemas.microsoft.com/office/drawing/2014/main" id="{97F4EFEF-955C-7486-5FFE-5691DA5C6906}"/>
               </a:ext>
             </a:extLst>
           </p:cNvPr>
@@ -2019,7 +2019,7 @@
           <a:bodyPr/>
           <a:lstStyle/>
           <a:p>
-            <a:fld id="{3CC54281-4C30-45F5-AE71-0D545BF60615}" type="slidenum">
+            <a:fld id="{E41D1421-D028-4F1E-8543-313A87A40655}" type="slidenum">
               <a:rPr lang="en-GB" smtClean="0"/>
               <a:t>‹#›</a:t>
             </a:fld>
@@ -2030,7 +2030,7 @@
     </p:spTree>
     <p:extLst>
       <p:ext uri="{BB962C8B-B14F-4D97-AF65-F5344CB8AC3E}">
-        <p14:creationId xmlns:p14="http://schemas.microsoft.com/office/powerpoint/2010/main" val="3453674243"/>
+        <p14:creationId xmlns:p14="http://schemas.microsoft.com/office/powerpoint/2010/main" val="416140771"/>
       </p:ext>
     </p:extLst>
   </p:cSld>
@@ -2062,7 +2062,7 @@
           <p:cNvPr id="2" name="Date Placeholder 1">
             <a:extLst>
               <a:ext uri="{FF2B5EF4-FFF2-40B4-BE49-F238E27FC236}">
-                <a16:creationId xmlns:a16="http://schemas.microsoft.com/office/drawing/2014/main" id="{F099845A-075B-118B-557F-420BFD0A1544}"/>
+                <a16:creationId xmlns:a16="http://schemas.microsoft.com/office/drawing/2014/main" id="{80E4C2ED-8A5C-5479-1C56-1EE931359891}"/>
               </a:ext>
             </a:extLst>
           </p:cNvPr>
@@ -2078,9 +2078,9 @@
           <a:bodyPr/>
           <a:lstStyle/>
           <a:p>
-            <a:fld id="{9AFEF0EF-3661-40E5-8402-6F8DCE5762FD}" type="datetimeFigureOut">
+            <a:fld id="{501666BD-D0AE-4E69-A4D5-99A8101E3167}" type="datetimeFigureOut">
               <a:rPr lang="en-GB" smtClean="0"/>
-              <a:t>17/05/2023</a:t>
+              <a:t>27/05/2023</a:t>
             </a:fld>
             <a:endParaRPr lang="en-GB"/>
           </a:p>
@@ -2091,7 +2091,7 @@
           <p:cNvPr id="3" name="Footer Placeholder 2">
             <a:extLst>
               <a:ext uri="{FF2B5EF4-FFF2-40B4-BE49-F238E27FC236}">
-                <a16:creationId xmlns:a16="http://schemas.microsoft.com/office/drawing/2014/main" id="{3ACF7C3F-4335-E8D4-4AA8-B502A56B9F80}"/>
+                <a16:creationId xmlns:a16="http://schemas.microsoft.com/office/drawing/2014/main" id="{921BBF1C-FCFE-5E9D-9312-B29C4C1F4E5E}"/>
               </a:ext>
             </a:extLst>
           </p:cNvPr>
@@ -2116,7 +2116,7 @@
           <p:cNvPr id="4" name="Slide Number Placeholder 3">
             <a:extLst>
               <a:ext uri="{FF2B5EF4-FFF2-40B4-BE49-F238E27FC236}">
-                <a16:creationId xmlns:a16="http://schemas.microsoft.com/office/drawing/2014/main" id="{13A04628-827E-A52A-7B02-B77C5FD147C1}"/>
+                <a16:creationId xmlns:a16="http://schemas.microsoft.com/office/drawing/2014/main" id="{24F2E614-3DA4-8BFB-0C35-D4477FFEB49F}"/>
               </a:ext>
             </a:extLst>
           </p:cNvPr>
@@ -2132,7 +2132,7 @@
           <a:bodyPr/>
           <a:lstStyle/>
           <a:p>
-            <a:fld id="{3CC54281-4C30-45F5-AE71-0D545BF60615}" type="slidenum">
+            <a:fld id="{E41D1421-D028-4F1E-8543-313A87A40655}" type="slidenum">
               <a:rPr lang="en-GB" smtClean="0"/>
               <a:t>‹#›</a:t>
             </a:fld>
@@ -2143,7 +2143,7 @@
     </p:spTree>
     <p:extLst>
       <p:ext uri="{BB962C8B-B14F-4D97-AF65-F5344CB8AC3E}">
-        <p14:creationId xmlns:p14="http://schemas.microsoft.com/office/powerpoint/2010/main" val="3537982302"/>
+        <p14:creationId xmlns:p14="http://schemas.microsoft.com/office/powerpoint/2010/main" val="1652244995"/>
       </p:ext>
     </p:extLst>
   </p:cSld>
@@ -2175,7 +2175,7 @@
           <p:cNvPr id="2" name="Title 1">
             <a:extLst>
               <a:ext uri="{FF2B5EF4-FFF2-40B4-BE49-F238E27FC236}">
-                <a16:creationId xmlns:a16="http://schemas.microsoft.com/office/drawing/2014/main" id="{F9890427-C8D7-C1B3-E466-56CBD5885979}"/>
+                <a16:creationId xmlns:a16="http://schemas.microsoft.com/office/drawing/2014/main" id="{028543F4-EB1C-F454-1B87-7D9918AA5D79}"/>
               </a:ext>
             </a:extLst>
           </p:cNvPr>
@@ -2213,7 +2213,7 @@
           <p:cNvPr id="3" name="Content Placeholder 2">
             <a:extLst>
               <a:ext uri="{FF2B5EF4-FFF2-40B4-BE49-F238E27FC236}">
-                <a16:creationId xmlns:a16="http://schemas.microsoft.com/office/drawing/2014/main" id="{4C76CBA9-864F-29A2-9DF2-CD1033E6FC93}"/>
+                <a16:creationId xmlns:a16="http://schemas.microsoft.com/office/drawing/2014/main" id="{006A4E3F-F9DE-73D5-C064-09ACD223D85B}"/>
               </a:ext>
             </a:extLst>
           </p:cNvPr>
@@ -2304,7 +2304,7 @@
           <p:cNvPr id="4" name="Text Placeholder 3">
             <a:extLst>
               <a:ext uri="{FF2B5EF4-FFF2-40B4-BE49-F238E27FC236}">
-                <a16:creationId xmlns:a16="http://schemas.microsoft.com/office/drawing/2014/main" id="{F351353A-08BC-6DE9-8EB2-DC0A359CA473}"/>
+                <a16:creationId xmlns:a16="http://schemas.microsoft.com/office/drawing/2014/main" id="{B8E8C84D-B936-57D1-9F6B-6694766A710C}"/>
               </a:ext>
             </a:extLst>
           </p:cNvPr>
@@ -2375,7 +2375,7 @@
           <p:cNvPr id="5" name="Date Placeholder 4">
             <a:extLst>
               <a:ext uri="{FF2B5EF4-FFF2-40B4-BE49-F238E27FC236}">
-                <a16:creationId xmlns:a16="http://schemas.microsoft.com/office/drawing/2014/main" id="{E7C03C91-1173-AAF1-8E2E-376ABF2EE364}"/>
+                <a16:creationId xmlns:a16="http://schemas.microsoft.com/office/drawing/2014/main" id="{CE12CACD-F065-A77E-48B1-C4E83C52B1E3}"/>
               </a:ext>
             </a:extLst>
           </p:cNvPr>
@@ -2391,9 +2391,9 @@
           <a:bodyPr/>
           <a:lstStyle/>
           <a:p>
-            <a:fld id="{9AFEF0EF-3661-40E5-8402-6F8DCE5762FD}" type="datetimeFigureOut">
+            <a:fld id="{501666BD-D0AE-4E69-A4D5-99A8101E3167}" type="datetimeFigureOut">
               <a:rPr lang="en-GB" smtClean="0"/>
-              <a:t>17/05/2023</a:t>
+              <a:t>27/05/2023</a:t>
             </a:fld>
             <a:endParaRPr lang="en-GB"/>
           </a:p>
@@ -2404,7 +2404,7 @@
           <p:cNvPr id="6" name="Footer Placeholder 5">
             <a:extLst>
               <a:ext uri="{FF2B5EF4-FFF2-40B4-BE49-F238E27FC236}">
-                <a16:creationId xmlns:a16="http://schemas.microsoft.com/office/drawing/2014/main" id="{EFCA2E80-C5B9-FB84-80EB-582EFD36F8B2}"/>
+                <a16:creationId xmlns:a16="http://schemas.microsoft.com/office/drawing/2014/main" id="{5D2B98B3-4561-A005-501F-BF29C731D73B}"/>
               </a:ext>
             </a:extLst>
           </p:cNvPr>
@@ -2429,7 +2429,7 @@
           <p:cNvPr id="7" name="Slide Number Placeholder 6">
             <a:extLst>
               <a:ext uri="{FF2B5EF4-FFF2-40B4-BE49-F238E27FC236}">
-                <a16:creationId xmlns:a16="http://schemas.microsoft.com/office/drawing/2014/main" id="{2745E30C-CF93-ACD7-0C00-ECE611171113}"/>
+                <a16:creationId xmlns:a16="http://schemas.microsoft.com/office/drawing/2014/main" id="{53B042BB-8814-B25B-59AB-FA4288D755CC}"/>
               </a:ext>
             </a:extLst>
           </p:cNvPr>
@@ -2445,7 +2445,7 @@
           <a:bodyPr/>
           <a:lstStyle/>
           <a:p>
-            <a:fld id="{3CC54281-4C30-45F5-AE71-0D545BF60615}" type="slidenum">
+            <a:fld id="{E41D1421-D028-4F1E-8543-313A87A40655}" type="slidenum">
               <a:rPr lang="en-GB" smtClean="0"/>
               <a:t>‹#›</a:t>
             </a:fld>
@@ -2456,7 +2456,7 @@
     </p:spTree>
     <p:extLst>
       <p:ext uri="{BB962C8B-B14F-4D97-AF65-F5344CB8AC3E}">
-        <p14:creationId xmlns:p14="http://schemas.microsoft.com/office/powerpoint/2010/main" val="3241473876"/>
+        <p14:creationId xmlns:p14="http://schemas.microsoft.com/office/powerpoint/2010/main" val="3293956980"/>
       </p:ext>
     </p:extLst>
   </p:cSld>
@@ -2488,7 +2488,7 @@
           <p:cNvPr id="2" name="Title 1">
             <a:extLst>
               <a:ext uri="{FF2B5EF4-FFF2-40B4-BE49-F238E27FC236}">
-                <a16:creationId xmlns:a16="http://schemas.microsoft.com/office/drawing/2014/main" id="{B4FBC75C-0073-ED76-9DF3-492D6A5FB33A}"/>
+                <a16:creationId xmlns:a16="http://schemas.microsoft.com/office/drawing/2014/main" id="{FC9A3EEA-22F7-6CC8-0101-9A6BC32CE6CA}"/>
               </a:ext>
             </a:extLst>
           </p:cNvPr>
@@ -2526,7 +2526,7 @@
           <p:cNvPr id="3" name="Picture Placeholder 2">
             <a:extLst>
               <a:ext uri="{FF2B5EF4-FFF2-40B4-BE49-F238E27FC236}">
-                <a16:creationId xmlns:a16="http://schemas.microsoft.com/office/drawing/2014/main" id="{8C8A28BF-72A0-0EBC-23C4-2EF85F972AAD}"/>
+                <a16:creationId xmlns:a16="http://schemas.microsoft.com/office/drawing/2014/main" id="{DE2725A0-C3F2-3BA4-4306-EEEAB0D7D29F}"/>
               </a:ext>
             </a:extLst>
           </p:cNvPr>
@@ -2593,7 +2593,7 @@
           <p:cNvPr id="4" name="Text Placeholder 3">
             <a:extLst>
               <a:ext uri="{FF2B5EF4-FFF2-40B4-BE49-F238E27FC236}">
-                <a16:creationId xmlns:a16="http://schemas.microsoft.com/office/drawing/2014/main" id="{6A7E272D-8CF9-C61B-A122-3FEF9B60FDE2}"/>
+                <a16:creationId xmlns:a16="http://schemas.microsoft.com/office/drawing/2014/main" id="{BC83A370-60FD-01AB-9E92-1915C0B7F243}"/>
               </a:ext>
             </a:extLst>
           </p:cNvPr>
@@ -2664,7 +2664,7 @@
           <p:cNvPr id="5" name="Date Placeholder 4">
             <a:extLst>
               <a:ext uri="{FF2B5EF4-FFF2-40B4-BE49-F238E27FC236}">
-                <a16:creationId xmlns:a16="http://schemas.microsoft.com/office/drawing/2014/main" id="{FD2BDB27-CEBE-873A-505B-F5FF3017DE26}"/>
+                <a16:creationId xmlns:a16="http://schemas.microsoft.com/office/drawing/2014/main" id="{92D16417-0BF5-B8B3-655B-05C6FDDE4D5D}"/>
               </a:ext>
             </a:extLst>
           </p:cNvPr>
@@ -2680,9 +2680,9 @@
           <a:bodyPr/>
           <a:lstStyle/>
           <a:p>
-            <a:fld id="{9AFEF0EF-3661-40E5-8402-6F8DCE5762FD}" type="datetimeFigureOut">
+            <a:fld id="{501666BD-D0AE-4E69-A4D5-99A8101E3167}" type="datetimeFigureOut">
               <a:rPr lang="en-GB" smtClean="0"/>
-              <a:t>17/05/2023</a:t>
+              <a:t>27/05/2023</a:t>
             </a:fld>
             <a:endParaRPr lang="en-GB"/>
           </a:p>
@@ -2693,7 +2693,7 @@
           <p:cNvPr id="6" name="Footer Placeholder 5">
             <a:extLst>
               <a:ext uri="{FF2B5EF4-FFF2-40B4-BE49-F238E27FC236}">
-                <a16:creationId xmlns:a16="http://schemas.microsoft.com/office/drawing/2014/main" id="{190996D0-83B2-8038-F8EF-BD25F8C2596B}"/>
+                <a16:creationId xmlns:a16="http://schemas.microsoft.com/office/drawing/2014/main" id="{D054B049-89A3-66AF-8685-C5E68C27A3D6}"/>
               </a:ext>
             </a:extLst>
           </p:cNvPr>
@@ -2718,7 +2718,7 @@
           <p:cNvPr id="7" name="Slide Number Placeholder 6">
             <a:extLst>
               <a:ext uri="{FF2B5EF4-FFF2-40B4-BE49-F238E27FC236}">
-                <a16:creationId xmlns:a16="http://schemas.microsoft.com/office/drawing/2014/main" id="{4D4E4B3B-B34D-CB91-11C5-4D8796619E16}"/>
+                <a16:creationId xmlns:a16="http://schemas.microsoft.com/office/drawing/2014/main" id="{52ED332A-3A1C-57B1-9C08-15A99B457AFB}"/>
               </a:ext>
             </a:extLst>
           </p:cNvPr>
@@ -2734,7 +2734,7 @@
           <a:bodyPr/>
           <a:lstStyle/>
           <a:p>
-            <a:fld id="{3CC54281-4C30-45F5-AE71-0D545BF60615}" type="slidenum">
+            <a:fld id="{E41D1421-D028-4F1E-8543-313A87A40655}" type="slidenum">
               <a:rPr lang="en-GB" smtClean="0"/>
               <a:t>‹#›</a:t>
             </a:fld>
@@ -2745,7 +2745,7 @@
     </p:spTree>
     <p:extLst>
       <p:ext uri="{BB962C8B-B14F-4D97-AF65-F5344CB8AC3E}">
-        <p14:creationId xmlns:p14="http://schemas.microsoft.com/office/powerpoint/2010/main" val="3977858375"/>
+        <p14:creationId xmlns:p14="http://schemas.microsoft.com/office/powerpoint/2010/main" val="1867130347"/>
       </p:ext>
     </p:extLst>
   </p:cSld>
@@ -2782,7 +2782,7 @@
           <p:cNvPr id="2" name="Title Placeholder 1">
             <a:extLst>
               <a:ext uri="{FF2B5EF4-FFF2-40B4-BE49-F238E27FC236}">
-                <a16:creationId xmlns:a16="http://schemas.microsoft.com/office/drawing/2014/main" id="{B5E92654-5E06-70EC-4275-BF1F17E928CE}"/>
+                <a16:creationId xmlns:a16="http://schemas.microsoft.com/office/drawing/2014/main" id="{83C725E3-16DE-DC9C-B0A7-93FE27D27480}"/>
               </a:ext>
             </a:extLst>
           </p:cNvPr>
@@ -2821,7 +2821,7 @@
           <p:cNvPr id="3" name="Text Placeholder 2">
             <a:extLst>
               <a:ext uri="{FF2B5EF4-FFF2-40B4-BE49-F238E27FC236}">
-                <a16:creationId xmlns:a16="http://schemas.microsoft.com/office/drawing/2014/main" id="{0C9FD967-6E46-B505-7391-6033CAD9F0AB}"/>
+                <a16:creationId xmlns:a16="http://schemas.microsoft.com/office/drawing/2014/main" id="{8FA4463C-3A89-1F87-6C4F-C683EFC1EA18}"/>
               </a:ext>
             </a:extLst>
           </p:cNvPr>
@@ -2889,7 +2889,7 @@
           <p:cNvPr id="4" name="Date Placeholder 3">
             <a:extLst>
               <a:ext uri="{FF2B5EF4-FFF2-40B4-BE49-F238E27FC236}">
-                <a16:creationId xmlns:a16="http://schemas.microsoft.com/office/drawing/2014/main" id="{3DA29854-293F-D26C-80C2-BEB3121AA27D}"/>
+                <a16:creationId xmlns:a16="http://schemas.microsoft.com/office/drawing/2014/main" id="{3052166B-764D-EBCA-AC7D-79A474A1A287}"/>
               </a:ext>
             </a:extLst>
           </p:cNvPr>
@@ -2923,9 +2923,9 @@
             </a:lvl1pPr>
           </a:lstStyle>
           <a:p>
-            <a:fld id="{9AFEF0EF-3661-40E5-8402-6F8DCE5762FD}" type="datetimeFigureOut">
+            <a:fld id="{501666BD-D0AE-4E69-A4D5-99A8101E3167}" type="datetimeFigureOut">
               <a:rPr lang="en-GB" smtClean="0"/>
-              <a:t>17/05/2023</a:t>
+              <a:t>27/05/2023</a:t>
             </a:fld>
             <a:endParaRPr lang="en-GB"/>
           </a:p>
@@ -2936,7 +2936,7 @@
           <p:cNvPr id="5" name="Footer Placeholder 4">
             <a:extLst>
               <a:ext uri="{FF2B5EF4-FFF2-40B4-BE49-F238E27FC236}">
-                <a16:creationId xmlns:a16="http://schemas.microsoft.com/office/drawing/2014/main" id="{75A945BD-9618-334C-DF6D-5FA883DDC017}"/>
+                <a16:creationId xmlns:a16="http://schemas.microsoft.com/office/drawing/2014/main" id="{E5E07667-709B-A6CC-518F-FD729C17AEBA}"/>
               </a:ext>
             </a:extLst>
           </p:cNvPr>
@@ -2979,7 +2979,7 @@
           <p:cNvPr id="6" name="Slide Number Placeholder 5">
             <a:extLst>
               <a:ext uri="{FF2B5EF4-FFF2-40B4-BE49-F238E27FC236}">
-                <a16:creationId xmlns:a16="http://schemas.microsoft.com/office/drawing/2014/main" id="{6D827C22-7417-A5B5-0688-102673F46395}"/>
+                <a16:creationId xmlns:a16="http://schemas.microsoft.com/office/drawing/2014/main" id="{7982FC05-F7D8-4405-5917-60EC81B16EE0}"/>
               </a:ext>
             </a:extLst>
           </p:cNvPr>
@@ -3013,7 +3013,7 @@
             </a:lvl1pPr>
           </a:lstStyle>
           <a:p>
-            <a:fld id="{3CC54281-4C30-45F5-AE71-0D545BF60615}" type="slidenum">
+            <a:fld id="{E41D1421-D028-4F1E-8543-313A87A40655}" type="slidenum">
               <a:rPr lang="en-GB" smtClean="0"/>
               <a:t>‹#›</a:t>
             </a:fld>
@@ -3024,7 +3024,7 @@
     </p:spTree>
     <p:extLst>
       <p:ext uri="{BB962C8B-B14F-4D97-AF65-F5344CB8AC3E}">
-        <p14:creationId xmlns:p14="http://schemas.microsoft.com/office/powerpoint/2010/main" val="4194016614"/>
+        <p14:creationId xmlns:p14="http://schemas.microsoft.com/office/powerpoint/2010/main" val="700593415"/>
       </p:ext>
     </p:extLst>
   </p:cSld>
@@ -3347,7 +3347,7 @@
           <p:cNvPr id="5" name="Picture 4" descr="A picture containing electronics, electronic engineering, electrical wiring, circuit&#10;&#10;Description automatically generated">
             <a:extLst>
               <a:ext uri="{FF2B5EF4-FFF2-40B4-BE49-F238E27FC236}">
-                <a16:creationId xmlns:a16="http://schemas.microsoft.com/office/drawing/2014/main" id="{04B57E04-A68C-F3BD-8764-D83EAC687920}"/>
+                <a16:creationId xmlns:a16="http://schemas.microsoft.com/office/drawing/2014/main" id="{ED3422BF-70F7-0BCB-A0A5-49A7B1DD6C5C}"/>
               </a:ext>
             </a:extLst>
           </p:cNvPr>
@@ -3370,8 +3370,8 @@
         </p:blipFill>
         <p:spPr>
           <a:xfrm>
-            <a:off x="0" y="0"/>
-            <a:ext cx="6014837" cy="2881347"/>
+            <a:off x="0" y="-1"/>
+            <a:ext cx="6859816" cy="3286126"/>
           </a:xfrm>
           <a:prstGeom prst="rect">
             <a:avLst/>
@@ -3383,7 +3383,7 @@
           <p:cNvPr id="7" name="Picture 6" descr="A picture containing tool, plastic, indoor, household hardware&#10;&#10;Description automatically generated">
             <a:extLst>
               <a:ext uri="{FF2B5EF4-FFF2-40B4-BE49-F238E27FC236}">
-                <a16:creationId xmlns:a16="http://schemas.microsoft.com/office/drawing/2014/main" id="{170F7D14-284D-59B4-0C69-08B1D18D342F}"/>
+                <a16:creationId xmlns:a16="http://schemas.microsoft.com/office/drawing/2014/main" id="{7F2EB96E-1667-8287-081A-6AF37810878F}"/>
               </a:ext>
             </a:extLst>
           </p:cNvPr>
@@ -3392,7 +3392,7 @@
           </p:cNvPicPr>
           <p:nvPr/>
         </p:nvPicPr>
-        <p:blipFill>
+        <p:blipFill rotWithShape="1">
           <a:blip r:embed="rId3">
             <a:extLst>
               <a:ext uri="{28A0092B-C50C-407E-A947-70E740481C1C}">
@@ -3400,14 +3400,13 @@
               </a:ext>
             </a:extLst>
           </a:blip>
-          <a:stretch>
-            <a:fillRect/>
-          </a:stretch>
+          <a:srcRect l="11084"/>
+          <a:stretch/>
         </p:blipFill>
         <p:spPr>
           <a:xfrm>
-            <a:off x="-28477" y="3040735"/>
-            <a:ext cx="6057032" cy="1919392"/>
+            <a:off x="2127" y="3429000"/>
+            <a:ext cx="6857689" cy="2444001"/>
           </a:xfrm>
           <a:prstGeom prst="rect">
             <a:avLst/>
@@ -3419,7 +3418,7 @@
           <p:cNvPr id="9" name="Picture 8" descr="A picture containing electrical wiring, cable, electronics, electronic engineering&#10;&#10;Description automatically generated">
             <a:extLst>
               <a:ext uri="{FF2B5EF4-FFF2-40B4-BE49-F238E27FC236}">
-                <a16:creationId xmlns:a16="http://schemas.microsoft.com/office/drawing/2014/main" id="{777DBDA9-CE05-E801-64FF-A29C99ACC718}"/>
+                <a16:creationId xmlns:a16="http://schemas.microsoft.com/office/drawing/2014/main" id="{1687AEBF-39EC-8313-6EDC-4A42B290C526}"/>
               </a:ext>
             </a:extLst>
           </p:cNvPr>
@@ -3442,8 +3441,8 @@
         </p:blipFill>
         <p:spPr>
           <a:xfrm>
-            <a:off x="6096000" y="0"/>
-            <a:ext cx="4253460" cy="4960127"/>
+            <a:off x="6943725" y="0"/>
+            <a:ext cx="5036278" cy="5873001"/>
           </a:xfrm>
           <a:prstGeom prst="rect">
             <a:avLst/>
@@ -3453,7 +3452,7 @@
     </p:spTree>
     <p:extLst>
       <p:ext uri="{BB962C8B-B14F-4D97-AF65-F5344CB8AC3E}">
-        <p14:creationId xmlns:p14="http://schemas.microsoft.com/office/powerpoint/2010/main" val="2411355424"/>
+        <p14:creationId xmlns:p14="http://schemas.microsoft.com/office/powerpoint/2010/main" val="3189264194"/>
       </p:ext>
     </p:extLst>
   </p:cSld>
